--- a/tableau/SNF.pptx
+++ b/tableau/SNF.pptx
@@ -3330,7 +3330,7 @@
           <p:cNvPr id="0" name="slide1">
             <a:extLst>
               <a:ext uri="{FF2B5EF4-FFF2-40B4-BE49-F238E27FC236}">
-                <a16:creationId xmlns:a16="http://schemas.microsoft.com/office/drawing/2014/main" id="{BA47777C-5B7D-4174-8F96-DB5D8024A42F}"/>
+                <a16:creationId xmlns:a16="http://schemas.microsoft.com/office/drawing/2014/main" id="{85C1FBA0-CAE8-4838-8485-FFA1A357CB38}"/>
               </a:ext>
             </a:extLst>
           </p:cNvPr>
@@ -3360,7 +3360,7 @@
           <p:cNvPr id="1" name="slide1">
             <a:extLst>
               <a:ext uri="{FF2B5EF4-FFF2-40B4-BE49-F238E27FC236}">
-                <a16:creationId xmlns:a16="http://schemas.microsoft.com/office/drawing/2014/main" id="{60F7B9B4-4598-4602-9630-9F7FD22E4270}"/>
+                <a16:creationId xmlns:a16="http://schemas.microsoft.com/office/drawing/2014/main" id="{5339D52E-7838-486B-8730-F28A1ECB73FF}"/>
               </a:ext>
             </a:extLst>
           </p:cNvPr>
@@ -3378,7 +3378,7 @@
           <a:p>
             <a:r>
               <a:rPr/>
-              <a:t>File created on: 8/23/2021 9:44:40 PM</a:t>
+              <a:t>File created on: 8/23/2021 10:18:54 PM</a:t>
             </a:r>
           </a:p>
         </p:txBody>
@@ -3418,7 +3418,7 @@
           <p:cNvPr descr="The Very Best of SNFs Around1" id="2" name="slide2">
             <a:extLst>
               <a:ext uri="{FF2B5EF4-FFF2-40B4-BE49-F238E27FC236}">
-                <a16:creationId xmlns:a16="http://schemas.microsoft.com/office/drawing/2014/main" id="{9DC6FE21-F02E-4D00-906D-CA663C5B04A1}"/>
+                <a16:creationId xmlns:a16="http://schemas.microsoft.com/office/drawing/2014/main" id="{58D903C6-DC0F-425B-A649-8AF4189FCC83}"/>
               </a:ext>
             </a:extLst>
           </p:cNvPr>
@@ -3484,7 +3484,7 @@
           <p:cNvPr descr="The Very Best of SNFs Around2" id="3" name="slide3">
             <a:extLst>
               <a:ext uri="{FF2B5EF4-FFF2-40B4-BE49-F238E27FC236}">
-                <a16:creationId xmlns:a16="http://schemas.microsoft.com/office/drawing/2014/main" id="{27330CFD-86B6-4A6D-BEFC-06E85F7A12BE}"/>
+                <a16:creationId xmlns:a16="http://schemas.microsoft.com/office/drawing/2014/main" id="{36BAC746-6F79-4ECF-87D3-3E54D98F5E4C}"/>
               </a:ext>
             </a:extLst>
           </p:cNvPr>
@@ -3550,7 +3550,7 @@
           <p:cNvPr descr="The Very Best of SNFs Around3" id="4" name="slide4">
             <a:extLst>
               <a:ext uri="{FF2B5EF4-FFF2-40B4-BE49-F238E27FC236}">
-                <a16:creationId xmlns:a16="http://schemas.microsoft.com/office/drawing/2014/main" id="{C1FECE9F-B904-4EEB-A2E0-21955C8DC9F1}"/>
+                <a16:creationId xmlns:a16="http://schemas.microsoft.com/office/drawing/2014/main" id="{24DD62A0-F17E-4188-AD6D-2C4711CB08B0}"/>
               </a:ext>
             </a:extLst>
           </p:cNvPr>
@@ -3616,7 +3616,7 @@
           <p:cNvPr descr="The Very Best of SNFs Around4" id="5" name="slide5">
             <a:extLst>
               <a:ext uri="{FF2B5EF4-FFF2-40B4-BE49-F238E27FC236}">
-                <a16:creationId xmlns:a16="http://schemas.microsoft.com/office/drawing/2014/main" id="{C70A80FF-68F9-4857-BB0C-66EA86207415}"/>
+                <a16:creationId xmlns:a16="http://schemas.microsoft.com/office/drawing/2014/main" id="{22C06C12-54BD-479E-8B60-3E8374AECFA8}"/>
               </a:ext>
             </a:extLst>
           </p:cNvPr>
